--- a/Vue.js Prezentacija.pptx
+++ b/Vue.js Prezentacija.pptx
@@ -225,7 +225,7 @@
           <a:p>
             <a:fld id="{3F00BCFC-AFFD-334C-A183-6116BAFDF92B}" type="datetimeFigureOut">
               <a:rPr lang="en-US" smtClean="0"/>
-              <a:t>12/8/2024</a:t>
+              <a:t>12/9/2024</a:t>
             </a:fld>
             <a:endParaRPr lang="en-US" dirty="0"/>
           </a:p>
@@ -19796,7 +19796,12 @@
             <p:ph type="title"/>
           </p:nvPr>
         </p:nvSpPr>
-        <p:spPr/>
+        <p:spPr>
+          <a:xfrm>
+            <a:off x="1536192" y="566928"/>
+            <a:ext cx="8878824" cy="1069848"/>
+          </a:xfrm>
+        </p:spPr>
         <p:txBody>
           <a:bodyPr>
             <a:normAutofit/>
@@ -19804,7 +19809,7 @@
           <a:lstStyle/>
           <a:p>
             <a:r>
-              <a:rPr lang="en-US" sz="4000" b="1" spc="600" dirty="0">
+              <a:rPr lang="sr-Latn-RS" sz="4000" b="1" spc="600">
                 <a:ln w="28575">
                   <a:noFill/>
                   <a:prstDash val="solid"/>
@@ -19814,7 +19819,7 @@
                 </a:solidFill>
                 <a:latin typeface="Tw Cen MT" panose="020B0602020104020603" pitchFamily="34" charset="77"/>
               </a:rPr>
-              <a:t>CONTENTS</a:t>
+              <a:t>Sadržaj</a:t>
             </a:r>
             <a:endParaRPr lang="en-US" dirty="0"/>
           </a:p>
@@ -19866,14 +19871,19 @@
             <p:ph idx="1"/>
           </p:nvPr>
         </p:nvSpPr>
-        <p:spPr/>
+        <p:spPr>
+          <a:xfrm>
+            <a:off x="1536192" y="1915471"/>
+            <a:ext cx="6422136" cy="3282696"/>
+          </a:xfrm>
+        </p:spPr>
         <p:txBody>
           <a:bodyPr/>
           <a:lstStyle/>
           <a:p>
             <a:pPr marL="342900" indent="-342900" algn="l">
               <a:lnSpc>
-                <a:spcPct val="150000"/>
+                <a:spcPct val="100000"/>
               </a:lnSpc>
               <a:buClr>
                 <a:schemeClr val="accent6"/>
@@ -19882,20 +19892,27 @@
               <a:buChar char="o"/>
             </a:pPr>
             <a:r>
-              <a:rPr lang="en-US" dirty="0">
+              <a:rPr lang="sr-Latn-RS">
                 <a:solidFill>
                   <a:schemeClr val="bg1"/>
                 </a:solidFill>
                 <a:latin typeface="Segoe UI Light" panose="020B0502040204020203" pitchFamily="34" charset="0"/>
                 <a:cs typeface="Segoe UI Light" panose="020B0502040204020203" pitchFamily="34" charset="0"/>
               </a:rPr>
-              <a:t>Introduction</a:t>
-            </a:r>
+              <a:t>Šta je Vue.js</a:t>
+            </a:r>
+            <a:endParaRPr lang="en-US" dirty="0">
+              <a:solidFill>
+                <a:schemeClr val="bg1"/>
+              </a:solidFill>
+              <a:latin typeface="Segoe UI Light" panose="020B0502040204020203" pitchFamily="34" charset="0"/>
+              <a:cs typeface="Segoe UI Light" panose="020B0502040204020203" pitchFamily="34" charset="0"/>
+            </a:endParaRPr>
           </a:p>
           <a:p>
             <a:pPr marL="342900" indent="-342900" algn="l">
               <a:lnSpc>
-                <a:spcPct val="150000"/>
+                <a:spcPct val="100000"/>
               </a:lnSpc>
               <a:buClr>
                 <a:schemeClr val="accent6"/>
@@ -19904,20 +19921,27 @@
               <a:buChar char="o"/>
             </a:pPr>
             <a:r>
-              <a:rPr lang="en-US" dirty="0">
+              <a:rPr lang="sr-Latn-RS">
                 <a:solidFill>
                   <a:schemeClr val="bg1"/>
                 </a:solidFill>
                 <a:latin typeface="Segoe UI Light" panose="020B0502040204020203" pitchFamily="34" charset="0"/>
                 <a:cs typeface="Segoe UI Light" panose="020B0502040204020203" pitchFamily="34" charset="0"/>
               </a:rPr>
-              <a:t>Investing &amp; Trading</a:t>
-            </a:r>
+              <a:t>Uloga Frontend Framework-a</a:t>
+            </a:r>
+            <a:endParaRPr lang="en-US" dirty="0">
+              <a:solidFill>
+                <a:schemeClr val="bg1"/>
+              </a:solidFill>
+              <a:latin typeface="Segoe UI Light" panose="020B0502040204020203" pitchFamily="34" charset="0"/>
+              <a:cs typeface="Segoe UI Light" panose="020B0502040204020203" pitchFamily="34" charset="0"/>
+            </a:endParaRPr>
           </a:p>
           <a:p>
             <a:pPr marL="342900" indent="-342900" algn="l">
               <a:lnSpc>
-                <a:spcPct val="150000"/>
+                <a:spcPct val="100000"/>
               </a:lnSpc>
               <a:buClr>
                 <a:schemeClr val="accent6"/>
@@ -19926,20 +19950,27 @@
               <a:buChar char="o"/>
             </a:pPr>
             <a:r>
-              <a:rPr lang="en-US" dirty="0">
+              <a:rPr lang="sr-Latn-RS">
                 <a:solidFill>
                   <a:schemeClr val="bg1"/>
                 </a:solidFill>
                 <a:latin typeface="Segoe UI Light" panose="020B0502040204020203" pitchFamily="34" charset="0"/>
                 <a:cs typeface="Segoe UI Light" panose="020B0502040204020203" pitchFamily="34" charset="0"/>
               </a:rPr>
-              <a:t>Portfolio Build Up</a:t>
-            </a:r>
+              <a:t>Zašto Vue.js</a:t>
+            </a:r>
+            <a:endParaRPr lang="en-US" dirty="0">
+              <a:solidFill>
+                <a:schemeClr val="bg1"/>
+              </a:solidFill>
+              <a:latin typeface="Segoe UI Light" panose="020B0502040204020203" pitchFamily="34" charset="0"/>
+              <a:cs typeface="Segoe UI Light" panose="020B0502040204020203" pitchFamily="34" charset="0"/>
+            </a:endParaRPr>
           </a:p>
           <a:p>
             <a:pPr marL="342900" indent="-342900" algn="l">
               <a:lnSpc>
-                <a:spcPct val="150000"/>
+                <a:spcPct val="100000"/>
               </a:lnSpc>
               <a:buClr>
                 <a:schemeClr val="accent6"/>
@@ -19948,20 +19979,27 @@
               <a:buChar char="o"/>
             </a:pPr>
             <a:r>
-              <a:rPr lang="en-US" dirty="0">
+              <a:rPr lang="sr-Latn-RS">
                 <a:solidFill>
                   <a:schemeClr val="bg1"/>
                 </a:solidFill>
                 <a:latin typeface="Segoe UI Light" panose="020B0502040204020203" pitchFamily="34" charset="0"/>
                 <a:cs typeface="Segoe UI Light" panose="020B0502040204020203" pitchFamily="34" charset="0"/>
               </a:rPr>
-              <a:t>Areas Of Focus</a:t>
-            </a:r>
+              <a:t>Struktura Vue Komponenti</a:t>
+            </a:r>
+            <a:endParaRPr lang="en-US" dirty="0">
+              <a:solidFill>
+                <a:schemeClr val="bg1"/>
+              </a:solidFill>
+              <a:latin typeface="Segoe UI Light" panose="020B0502040204020203" pitchFamily="34" charset="0"/>
+              <a:cs typeface="Segoe UI Light" panose="020B0502040204020203" pitchFamily="34" charset="0"/>
+            </a:endParaRPr>
           </a:p>
           <a:p>
             <a:pPr marL="342900" indent="-342900" algn="l">
               <a:lnSpc>
-                <a:spcPct val="150000"/>
+                <a:spcPct val="100000"/>
               </a:lnSpc>
               <a:buClr>
                 <a:schemeClr val="accent6"/>
@@ -19970,14 +20008,71 @@
               <a:buChar char="o"/>
             </a:pPr>
             <a:r>
-              <a:rPr lang="en-US" dirty="0">
+              <a:rPr lang="sr-Latn-RS">
                 <a:solidFill>
                   <a:schemeClr val="bg1"/>
                 </a:solidFill>
                 <a:latin typeface="Segoe UI Light" panose="020B0502040204020203" pitchFamily="34" charset="0"/>
                 <a:cs typeface="Segoe UI Light" panose="020B0502040204020203" pitchFamily="34" charset="0"/>
               </a:rPr>
-              <a:t>Summary</a:t>
+              <a:t>Kreiranje Stanja i Podataka</a:t>
+            </a:r>
+          </a:p>
+          <a:p>
+            <a:pPr marL="342900" indent="-342900" algn="l">
+              <a:lnSpc>
+                <a:spcPct val="100000"/>
+              </a:lnSpc>
+              <a:buClr>
+                <a:schemeClr val="accent6"/>
+              </a:buClr>
+              <a:buFont typeface="Courier New" panose="02070309020205020404" pitchFamily="49" charset="0"/>
+              <a:buChar char="o"/>
+            </a:pPr>
+            <a:r>
+              <a:rPr lang="sr-Latn-RS">
+                <a:latin typeface="Segoe UI Light" panose="020B0502040204020203" pitchFamily="34" charset="0"/>
+                <a:cs typeface="Segoe UI Light" panose="020B0502040204020203" pitchFamily="34" charset="0"/>
+              </a:rPr>
+              <a:t>Vue Direktive</a:t>
+            </a:r>
+          </a:p>
+          <a:p>
+            <a:pPr marL="342900" indent="-342900" algn="l">
+              <a:lnSpc>
+                <a:spcPct val="100000"/>
+              </a:lnSpc>
+              <a:buClr>
+                <a:schemeClr val="accent6"/>
+              </a:buClr>
+              <a:buFont typeface="Courier New" panose="02070309020205020404" pitchFamily="49" charset="0"/>
+              <a:buChar char="o"/>
+            </a:pPr>
+            <a:r>
+              <a:rPr lang="sr-Latn-RS">
+                <a:latin typeface="Segoe UI Light" panose="020B0502040204020203" pitchFamily="34" charset="0"/>
+                <a:cs typeface="Segoe UI Light" panose="020B0502040204020203" pitchFamily="34" charset="0"/>
+              </a:rPr>
+              <a:t>Demonstracija Projekta</a:t>
+            </a:r>
+          </a:p>
+          <a:p>
+            <a:pPr marL="342900" indent="-342900" algn="l">
+              <a:lnSpc>
+                <a:spcPct val="100000"/>
+              </a:lnSpc>
+              <a:buClr>
+                <a:schemeClr val="accent6"/>
+              </a:buClr>
+              <a:buFont typeface="Courier New" panose="02070309020205020404" pitchFamily="49" charset="0"/>
+              <a:buChar char="o"/>
+            </a:pPr>
+            <a:r>
+              <a:rPr lang="sr-Latn-RS">
+                <a:latin typeface="Segoe UI Light" panose="020B0502040204020203" pitchFamily="34" charset="0"/>
+                <a:cs typeface="Segoe UI Light" panose="020B0502040204020203" pitchFamily="34" charset="0"/>
+              </a:rPr>
+              <a:t>Zaključak</a:t>
             </a:r>
           </a:p>
         </p:txBody>
@@ -20185,7 +20280,7 @@
           <a:p>
             <a:r>
               <a:rPr lang="sr-Latn-RS"/>
-              <a:t>Uloga Front-end frameworka</a:t>
+              <a:t>Uloga Frontend framework-a</a:t>
             </a:r>
           </a:p>
         </p:txBody>
@@ -21117,8 +21212,12 @@
           <a:lstStyle/>
           <a:p>
             <a:r>
+              <a:rPr lang="sr-Latn-RS"/>
+              <a:t>Kreiranje</a:t>
+            </a:r>
+            <a:r>
               <a:rPr lang="en-US"/>
-              <a:t>Dodavanje stanja ili podataka u komponente</a:t>
+              <a:t> stanja i podataka</a:t>
             </a:r>
             <a:endParaRPr lang="sr-Latn-RS"/>
           </a:p>
@@ -22086,15 +22185,6 @@
 </file>
 
 <file path=customXml/item1.xml><?xml version="1.0" encoding="utf-8"?>
-<?mso-contentType ?>
-<FormTemplates xmlns="http://schemas.microsoft.com/sharepoint/v3/contenttype/forms">
-  <Display>DocumentLibraryForm</Display>
-  <Edit>DocumentLibraryForm</Edit>
-  <New>DocumentLibraryForm</New>
-</FormTemplates>
-</file>
-
-<file path=customXml/item2.xml><?xml version="1.0" encoding="utf-8"?>
 <ct:contentTypeSchema xmlns:ct="http://schemas.microsoft.com/office/2006/metadata/contentType" xmlns:ma="http://schemas.microsoft.com/office/2006/metadata/properties/metaAttributes" ct:_="" ma:_="" ma:contentTypeName="Document" ma:contentTypeID="0x01010079F111ED35F8CC479449609E8A0923A6" ma:contentTypeVersion="25" ma:contentTypeDescription="Create a new document." ma:contentTypeScope="" ma:versionID="e02306daf00165b375dc6a58966960be">
   <xsd:schema xmlns:xsd="http://www.w3.org/2001/XMLSchema" xmlns:xs="http://www.w3.org/2001/XMLSchema" xmlns:p="http://schemas.microsoft.com/office/2006/metadata/properties" xmlns:ns1="http://schemas.microsoft.com/sharepoint/v3" xmlns:ns2="71af3243-3dd4-4a8d-8c0d-dd76da1f02a5" xmlns:ns3="16c05727-aa75-4e4a-9b5f-8a80a1165891" xmlns:ns4="230e9df3-be65-4c73-a93b-d1236ebd677e" targetNamespace="http://schemas.microsoft.com/office/2006/metadata/properties" ma:root="true" ma:fieldsID="df88fb76bf5f555224557953949c1ec9" ns1:_="" ns2:_="" ns3:_="" ns4:_="">
     <xsd:import namespace="http://schemas.microsoft.com/sharepoint/v3"/>
@@ -22388,6 +22478,15 @@
 </ct:contentTypeSchema>
 </file>
 
+<file path=customXml/item2.xml><?xml version="1.0" encoding="utf-8"?>
+<?mso-contentType ?>
+<FormTemplates xmlns="http://schemas.microsoft.com/sharepoint/v3/contenttype/forms">
+  <Display>DocumentLibraryForm</Display>
+  <Edit>DocumentLibraryForm</Edit>
+  <New>DocumentLibraryForm</New>
+</FormTemplates>
+</file>
+
 <file path=customXml/item3.xml><?xml version="1.0" encoding="utf-8"?>
 <p:properties xmlns:p="http://schemas.microsoft.com/office/2006/metadata/properties" xmlns:xsi="http://www.w3.org/2001/XMLSchema-instance" xmlns:pc="http://schemas.microsoft.com/office/infopath/2007/PartnerControls">
   <documentManagement>
@@ -22409,14 +22508,6 @@
 </file>
 
 <file path=customXml/itemProps1.xml><?xml version="1.0" encoding="utf-8"?>
-<ds:datastoreItem xmlns:ds="http://schemas.openxmlformats.org/officeDocument/2006/customXml" ds:itemID="{4F1F1912-3146-44AF-A389-9E8B77BB3688}">
-  <ds:schemaRefs>
-    <ds:schemaRef ds:uri="http://schemas.microsoft.com/sharepoint/v3/contenttype/forms"/>
-  </ds:schemaRefs>
-</ds:datastoreItem>
-</file>
-
-<file path=customXml/itemProps2.xml><?xml version="1.0" encoding="utf-8"?>
 <ds:datastoreItem xmlns:ds="http://schemas.openxmlformats.org/officeDocument/2006/customXml" ds:itemID="{176493A3-2B83-4E58-86AD-56A2F2A20F12}">
   <ds:schemaRefs>
     <ds:schemaRef ds:uri="http://schemas.microsoft.com/office/2006/metadata/contentType"/>
@@ -22437,6 +22528,14 @@
 </ds:datastoreItem>
 </file>
 
+<file path=customXml/itemProps2.xml><?xml version="1.0" encoding="utf-8"?>
+<ds:datastoreItem xmlns:ds="http://schemas.openxmlformats.org/officeDocument/2006/customXml" ds:itemID="{4F1F1912-3146-44AF-A389-9E8B77BB3688}">
+  <ds:schemaRefs>
+    <ds:schemaRef ds:uri="http://schemas.microsoft.com/sharepoint/v3/contenttype/forms"/>
+  </ds:schemaRefs>
+</ds:datastoreItem>
+</file>
+
 <file path=customXml/itemProps3.xml><?xml version="1.0" encoding="utf-8"?>
 <ds:datastoreItem xmlns:ds="http://schemas.openxmlformats.org/officeDocument/2006/customXml" ds:itemID="{F8B8ECF1-2A9D-464C-AFE8-2B3295D0BF97}">
   <ds:schemaRefs>

--- a/Vue.js Prezentacija.pptx
+++ b/Vue.js Prezentacija.pptx
@@ -225,7 +225,7 @@
           <a:p>
             <a:fld id="{3F00BCFC-AFFD-334C-A183-6116BAFDF92B}" type="datetimeFigureOut">
               <a:rPr lang="en-US" smtClean="0"/>
-              <a:t>12/9/2024</a:t>
+              <a:t>12/10/2024</a:t>
             </a:fld>
             <a:endParaRPr lang="en-US" dirty="0"/>
           </a:p>
@@ -18403,11 +18403,27 @@
           <a:p>
             <a:r>
               <a:rPr lang="en-US" cap="none"/>
-              <a:t>Vue.js framework: Kreiranje korisni</a:t>
+              <a:t>Vue.js </a:t>
             </a:r>
             <a:r>
               <a:rPr lang="sr-Latn-RS" cap="none"/>
-              <a:t>čkog interfejsa</a:t>
+              <a:t>F</a:t>
+            </a:r>
+            <a:r>
+              <a:rPr lang="en-US" cap="none"/>
+              <a:t>ramework: Kreiranje </a:t>
+            </a:r>
+            <a:r>
+              <a:rPr lang="sr-Latn-RS" cap="none"/>
+              <a:t>K</a:t>
+            </a:r>
+            <a:r>
+              <a:rPr lang="en-US" cap="none"/>
+              <a:t>orisni</a:t>
+            </a:r>
+            <a:r>
+              <a:rPr lang="sr-Latn-RS" cap="none"/>
+              <a:t>čkog Interfejsa</a:t>
             </a:r>
             <a:endParaRPr lang="en-US" cap="none" dirty="0"/>
           </a:p>
@@ -18542,7 +18558,15 @@
           <a:p>
             <a:r>
               <a:rPr lang="sr-Latn-RS" sz="2400"/>
-              <a:t>Korišćenjem liste tasks koju smo prethodno kreirali možemo koristi v-for direktivu kako bi za svaki elemenat liste bio renderovan posebno.</a:t>
+              <a:t>Korišćenjem liste </a:t>
+            </a:r>
+            <a:r>
+              <a:rPr lang="sr-Latn-RS" sz="2400" b="1"/>
+              <a:t>tasks</a:t>
+            </a:r>
+            <a:r>
+              <a:rPr lang="sr-Latn-RS" sz="2400"/>
+              <a:t> koju smo prethodno kreirali možemo koristi v-for direktivu kako bi za svaki elemenat liste bio renderovan poseban HTML element.</a:t>
             </a:r>
           </a:p>
         </p:txBody>
@@ -18599,7 +18623,7 @@
         </p:blipFill>
         <p:spPr>
           <a:xfrm>
-            <a:off x="2481224" y="3674941"/>
+            <a:off x="2490284" y="3429000"/>
             <a:ext cx="7211431" cy="1743318"/>
           </a:xfrm>
           <a:prstGeom prst="rect">
@@ -18698,13 +18722,21 @@
           <a:p>
             <a:r>
               <a:rPr lang="sr-Latn-RS" sz="2400"/>
-              <a:t>Korišćenjem link promenljive koju smo prethodno kreirali možemo koristi v-bind direktivu kako taj link povezali sa HTML elementom.</a:t>
-            </a:r>
-          </a:p>
-          <a:p>
+              <a:t>Korišćenjem link promenljive koju smo prethodno kreirali možemo koristi </a:t>
+            </a:r>
+            <a:r>
+              <a:rPr lang="sr-Latn-RS" sz="2400" b="1"/>
+              <a:t>v-bind</a:t>
+            </a:r>
             <a:r>
               <a:rPr lang="sr-Latn-RS" sz="2400"/>
-              <a:t>Takodje je moguće koristi skraćenicu ove direktive tako što se ispred href atributa HTML elementa dodaju dve tačke ( : )</a:t>
+              <a:t> direktivu kako taj link povezali sa HTML elementom.</a:t>
+            </a:r>
+          </a:p>
+          <a:p>
+            <a:r>
+              <a:rPr lang="sr-Latn-RS" sz="2400"/>
+              <a:t>Takođe je moguće koristi skraćenicu ove direktive tako što se ispred href atributa HTML elementa dodaju dve tačke ( : ).</a:t>
             </a:r>
           </a:p>
         </p:txBody>
@@ -18860,13 +18892,21 @@
           <a:p>
             <a:r>
               <a:rPr lang="sr-Latn-RS" sz="2400"/>
-              <a:t>Pomoću v-on direktive možemo povezati funkciju toggleStatus sa specifičnim dogadjajem koji se može pojaviti.</a:t>
-            </a:r>
-          </a:p>
-          <a:p>
+              <a:t>Pomoću v-on direktive možemo povezati funkciju </a:t>
+            </a:r>
+            <a:r>
+              <a:rPr lang="sr-Latn-RS" sz="2400" b="1"/>
+              <a:t>toggleStatus</a:t>
+            </a:r>
             <a:r>
               <a:rPr lang="sr-Latn-RS" sz="2400"/>
-              <a:t>Takodje je moguće koristi skraćeni zapis ove direktiva gde se ispred naziva dogadjaja koristi </a:t>
+              <a:t> sa specifičnim događajem koji se može pojaviti.</a:t>
+            </a:r>
+          </a:p>
+          <a:p>
+            <a:r>
+              <a:rPr lang="sr-Latn-RS" sz="2400"/>
+              <a:t>Takođe je moguće koristi skraćeni zapis ove direktive gde se ispred naziva dogadjaja koristi </a:t>
             </a:r>
             <a:r>
               <a:rPr lang="en-US" sz="2400"/>
@@ -19034,11 +19074,35 @@
           <a:p>
             <a:r>
               <a:rPr lang="en-US" sz="2400"/>
-              <a:t>Ako kreiramo promenljivu newTask pomo</a:t>
+              <a:t>Ako kreiramo promenljivu </a:t>
+            </a:r>
+            <a:r>
+              <a:rPr lang="en-US" sz="2400" b="1"/>
+              <a:t>newTask</a:t>
+            </a:r>
+            <a:r>
+              <a:rPr lang="en-US" sz="2400"/>
+              <a:t> pomo</a:t>
             </a:r>
             <a:r>
               <a:rPr lang="sr-Latn-RS" sz="2400"/>
-              <a:t>ću funckije ref, možemo povezati tu promenljivu sa nekim inputom pomoću direktive v-model tako da ta promenljiva sada prati promene tog speficifčnog inputa.</a:t>
+              <a:t>ću funckije </a:t>
+            </a:r>
+            <a:r>
+              <a:rPr lang="sr-Latn-RS" sz="2400" b="1"/>
+              <a:t>ref</a:t>
+            </a:r>
+            <a:r>
+              <a:rPr lang="sr-Latn-RS" sz="2400"/>
+              <a:t>, možemo povezati tu promenljivu sa nekim inputom pomoću direktive </a:t>
+            </a:r>
+            <a:r>
+              <a:rPr lang="sr-Latn-RS" sz="2400" b="1"/>
+              <a:t>v-model</a:t>
+            </a:r>
+            <a:r>
+              <a:rPr lang="sr-Latn-RS" sz="2400"/>
+              <a:t> tako da ta promenljiva sada prati promene tog specifičnog inputa.</a:t>
             </a:r>
           </a:p>
           <a:p>
@@ -19190,8 +19254,8 @@
         </p:nvSpPr>
         <p:spPr>
           <a:xfrm>
-            <a:off x="1044481" y="2011680"/>
-            <a:ext cx="10332720" cy="3547872"/>
+            <a:off x="1044481" y="2011679"/>
+            <a:ext cx="10332720" cy="4339959"/>
           </a:xfrm>
         </p:spPr>
         <p:txBody>
@@ -19201,7 +19265,7 @@
             <a:pPr marL="342900" indent="-342900"/>
             <a:r>
               <a:rPr lang="sr-Latn-RS" sz="2400"/>
-              <a:t>Life cycle hooks su funkcije koje su pozvane u različitim momentima za vremene životnog cikulsa komponente.</a:t>
+              <a:t>Lifecycle hooks su funkcije koje su povezane u različitim momentima za vremene životnog ciklusa komponente.</a:t>
             </a:r>
           </a:p>
           <a:p>
@@ -19217,8 +19281,12 @@
               <a:buChar char="Ø"/>
             </a:pPr>
             <a:r>
+              <a:rPr lang="sr-Latn-RS" sz="2000" b="1"/>
+              <a:t>onBeforeMount</a:t>
+            </a:r>
+            <a:r>
               <a:rPr lang="sr-Latn-RS" sz="2000"/>
-              <a:t>onBeforeMount –pre renderovanja</a:t>
+              <a:t> –pre renderovanja</a:t>
             </a:r>
           </a:p>
           <a:p>
@@ -19227,8 +19295,12 @@
               <a:buChar char="Ø"/>
             </a:pPr>
             <a:r>
+              <a:rPr lang="sr-Latn-RS" sz="2000" b="1"/>
+              <a:t>onMounted</a:t>
+            </a:r>
+            <a:r>
               <a:rPr lang="sr-Latn-RS" sz="2000"/>
-              <a:t>onMounted – pri renderovanju</a:t>
+              <a:t> – pri renderovanju</a:t>
             </a:r>
           </a:p>
           <a:p>
@@ -19237,8 +19309,12 @@
               <a:buChar char="Ø"/>
             </a:pPr>
             <a:r>
+              <a:rPr lang="sr-Latn-RS" sz="2000" b="1"/>
+              <a:t>onBeforeUpdate</a:t>
+            </a:r>
+            <a:r>
               <a:rPr lang="sr-Latn-RS" sz="2000"/>
-              <a:t>onBeforeUpdate – kada se reaktivni podatak promeni ali pre renderovanja</a:t>
+              <a:t> – kada se reaktivni podatak promeni ali pre renderovanja</a:t>
             </a:r>
           </a:p>
           <a:p>
@@ -19247,8 +19323,12 @@
               <a:buChar char="Ø"/>
             </a:pPr>
             <a:r>
+              <a:rPr lang="sr-Latn-RS" sz="2000" b="1"/>
+              <a:t>onUpdate</a:t>
+            </a:r>
+            <a:r>
               <a:rPr lang="sr-Latn-RS" sz="2000"/>
-              <a:t>onUpdate – pri re-renderovanju</a:t>
+              <a:t> – pri re-renderovanju</a:t>
             </a:r>
           </a:p>
           <a:p>
@@ -19257,8 +19337,12 @@
               <a:buChar char="Ø"/>
             </a:pPr>
             <a:r>
+              <a:rPr lang="sr-Latn-RS" sz="2000" b="1"/>
+              <a:t>onBeforeUnmount</a:t>
+            </a:r>
+            <a:r>
               <a:rPr lang="sr-Latn-RS" sz="2000"/>
-              <a:t>onBeforeUnmount – pre nego što se Vue instanca uništi</a:t>
+              <a:t> – pre nego što se Vue instanca uništi</a:t>
             </a:r>
           </a:p>
           <a:p>
@@ -19267,8 +19351,12 @@
               <a:buChar char="Ø"/>
             </a:pPr>
             <a:r>
+              <a:rPr lang="sr-Latn-RS" sz="2000" b="1"/>
+              <a:t>onUnmounted</a:t>
+            </a:r>
+            <a:r>
               <a:rPr lang="sr-Latn-RS" sz="2000"/>
-              <a:t>onUnmounted – nakon što se Vue instanca uništi</a:t>
+              <a:t> – nakon što se Vue instanca uništi</a:t>
             </a:r>
           </a:p>
           <a:p>
@@ -19277,8 +19365,12 @@
               <a:buChar char="Ø"/>
             </a:pPr>
             <a:r>
+              <a:rPr lang="sr-Latn-RS" sz="2000" b="1"/>
+              <a:t>onActivated</a:t>
+            </a:r>
+            <a:r>
               <a:rPr lang="sr-Latn-RS" sz="2000"/>
-              <a:t>onActivated – kada se kept-alive komponenta aktivira</a:t>
+              <a:t> – kada se kept-alive komponenta aktivira</a:t>
             </a:r>
           </a:p>
           <a:p>
@@ -19287,8 +19379,12 @@
               <a:buChar char="Ø"/>
             </a:pPr>
             <a:r>
+              <a:rPr lang="sr-Latn-RS" sz="2000" b="1"/>
+              <a:t>onDeactivated</a:t>
+            </a:r>
+            <a:r>
               <a:rPr lang="sr-Latn-RS" sz="2000"/>
-              <a:t>onDeactivated – kada se kept-alive komponenta deaktivira</a:t>
+              <a:t> – kada se kept-alive komponenta deaktivira</a:t>
             </a:r>
           </a:p>
           <a:p>
@@ -19297,8 +19393,12 @@
               <a:buChar char="Ø"/>
             </a:pPr>
             <a:r>
+              <a:rPr lang="sr-Latn-RS" sz="2000" b="1"/>
+              <a:t>onErrorCaptured</a:t>
+            </a:r>
+            <a:r>
               <a:rPr lang="sr-Latn-RS" sz="2000"/>
-              <a:t>onErrorCaptured – kada se pojavi greška u nekim child komponentama</a:t>
+              <a:t> – kada se pojavi greška u nekim child komponentama</a:t>
             </a:r>
           </a:p>
           <a:p>
@@ -19611,7 +19711,7 @@
             <a:pPr marL="342900" indent="-342900"/>
             <a:r>
               <a:rPr lang="sr-Latn-RS" sz="2400"/>
-              <a:t>Intuitivan je za koriš-enje i lak za učenje pa je dostupan velikom spektru developera.</a:t>
+              <a:t>Intuitivan je za korišćenje i lak za učenje pa je dostupan velikom spektru developera.</a:t>
             </a:r>
           </a:p>
           <a:p>
@@ -19622,7 +19722,7 @@
             <a:pPr marL="342900" indent="-342900"/>
             <a:r>
               <a:rPr lang="sr-Latn-RS" sz="2400"/>
-              <a:t>Idealan je za manje projekta a može se koristi i u mnogo komplikovanim projektivma tako da nudi ravnozežu izmedju jednostavnosti i funkcionalnosti.</a:t>
+              <a:t>Idealan je za manje projekta a može se koristi i u mnogo komplikovanim projektivma tako da nudi ravnotežu izmedju jednostavnosti i funkcionalnosti.</a:t>
             </a:r>
           </a:p>
           <a:p>
@@ -20123,7 +20223,12 @@
             <p:ph type="title"/>
           </p:nvPr>
         </p:nvSpPr>
-        <p:spPr/>
+        <p:spPr>
+          <a:xfrm>
+            <a:off x="655320" y="910481"/>
+            <a:ext cx="10881360" cy="1069848"/>
+          </a:xfrm>
+        </p:spPr>
         <p:txBody>
           <a:bodyPr/>
           <a:lstStyle/>
@@ -20399,7 +20504,7 @@
             </a:r>
             <a:r>
               <a:rPr lang="sr-Latn-RS"/>
-              <a:t>va lako kreiranje UI-a koji su dinamički i interkativni </a:t>
+              <a:t>va lako kreiranje UI-a koji su dinamički i interaktivni </a:t>
             </a:r>
           </a:p>
         </p:txBody>
@@ -20488,7 +20593,7 @@
         </p:nvSpPr>
         <p:spPr>
           <a:xfrm>
-            <a:off x="6096000" y="3208034"/>
+            <a:off x="6211716" y="3208034"/>
             <a:ext cx="2468880" cy="365760"/>
           </a:xfrm>
         </p:spPr>
@@ -20521,7 +20626,7 @@
         </p:nvSpPr>
         <p:spPr>
           <a:xfrm>
-            <a:off x="6096000" y="4554209"/>
+            <a:off x="6096000" y="4504798"/>
             <a:ext cx="2468880" cy="274638"/>
           </a:xfrm>
         </p:spPr>
@@ -20531,7 +20636,7 @@
           <a:p>
             <a:r>
               <a:rPr lang="sr-Latn-RS"/>
-              <a:t>Optimizovani su za performanse sa karakteristikama kao što je virutalno DOM</a:t>
+              <a:t>Optimizovani su za performanse sa alatima kao što je virutalno DOM</a:t>
             </a:r>
           </a:p>
         </p:txBody>
@@ -20587,7 +20692,7 @@
         </p:nvSpPr>
         <p:spPr>
           <a:xfrm>
-            <a:off x="8796312" y="4554209"/>
+            <a:off x="8796312" y="4504798"/>
             <a:ext cx="2468880" cy="274638"/>
           </a:xfrm>
         </p:spPr>
@@ -21046,7 +21151,7 @@
           <a:p>
             <a:r>
               <a:rPr lang="sr-Latn-RS" sz="2400"/>
-              <a:t>Odvojeni delovi koda koji se mogu ponovo koristiti</a:t>
+              <a:t>Odvojeni delovi koda koji se mogu ponovo koristiti u durgim delovima projekta.</a:t>
             </a:r>
           </a:p>
           <a:p>
@@ -21251,7 +21356,15 @@
           <a:p>
             <a:r>
               <a:rPr lang="sr-Latn-RS" sz="2400"/>
-              <a:t>Pomoću funkcije ref možemo kreirati reaktivne reference na podatke.</a:t>
+              <a:t>Pomoću funkcije </a:t>
+            </a:r>
+            <a:r>
+              <a:rPr lang="sr-Latn-RS" sz="2400" b="1"/>
+              <a:t>ref</a:t>
+            </a:r>
+            <a:r>
+              <a:rPr lang="sr-Latn-RS" sz="2400"/>
+              <a:t> možemo kreirati reaktivne reference na podatke.</a:t>
             </a:r>
           </a:p>
           <a:p>
@@ -21263,7 +21376,11 @@
           <a:p>
             <a:r>
               <a:rPr lang="sr-Latn-RS" sz="2400"/>
-              <a:t>Kako bi pristupili vrednostima ovih podataka koristimo proprety .value</a:t>
+              <a:t>Kako bi pristupili vrednostima ovih podataka koristimo proprety </a:t>
+            </a:r>
+            <a:r>
+              <a:rPr lang="sr-Latn-RS" sz="2400" b="1"/>
+              <a:t>.value</a:t>
             </a:r>
           </a:p>
         </p:txBody>
@@ -21410,7 +21527,7 @@
             <a:pPr marL="342900" indent="-342900"/>
             <a:r>
               <a:rPr lang="sr-Latn-RS" sz="2400"/>
-              <a:t>Vue poseduje specijalne atrubute koji se nazivaju direktive i koje se mogu dodati HTML elementima kako bi promenile nacin na koji se ti elementi renderuju.</a:t>
+              <a:t>Vue poseduje specijalne atrubute koji se nazivaju direktive i koje se mogu dodati HTML elementima kako bi promenile način na koji se ti elementi renderuju.</a:t>
             </a:r>
           </a:p>
           <a:p>
@@ -21426,8 +21543,24 @@
               <a:buChar char="Ø"/>
             </a:pPr>
             <a:r>
+              <a:rPr lang="sr-Latn-RS" sz="2000" b="1"/>
+              <a:t>v-if</a:t>
+            </a:r>
+            <a:r>
               <a:rPr lang="sr-Latn-RS" sz="2000"/>
-              <a:t>v-if – renderuj element jedino ako je izraz tačan. Poseduje i v-else i v-else-if</a:t>
+              <a:t> – renderuje HTML element jedino ako je izraz tačan. Poseduje i</a:t>
+            </a:r>
+            <a:r>
+              <a:rPr lang="sr-Latn-RS" sz="2000" b="1"/>
+              <a:t> v-else </a:t>
+            </a:r>
+            <a:r>
+              <a:rPr lang="sr-Latn-RS" sz="2000"/>
+              <a:t>i </a:t>
+            </a:r>
+            <a:r>
+              <a:rPr lang="sr-Latn-RS" sz="2000" b="1"/>
+              <a:t>v-else-if</a:t>
             </a:r>
           </a:p>
           <a:p>
@@ -21436,8 +21569,12 @@
               <a:buChar char="Ø"/>
             </a:pPr>
             <a:r>
+              <a:rPr lang="sr-Latn-RS" sz="2000" b="1"/>
+              <a:t>v-for</a:t>
+            </a:r>
+            <a:r>
               <a:rPr lang="sr-Latn-RS" sz="2000"/>
-              <a:t>v-for – iterativno prolazi kroz neki niz elemenata i renderuje ih</a:t>
+              <a:t> – iterativno prolazi kroz neki niz elemenata i renderuje ih</a:t>
             </a:r>
           </a:p>
           <a:p>
@@ -21446,8 +21583,12 @@
               <a:buChar char="Ø"/>
             </a:pPr>
             <a:r>
+              <a:rPr lang="sr-Latn-RS" sz="2000" b="1"/>
+              <a:t>v-bind </a:t>
+            </a:r>
+            <a:r>
               <a:rPr lang="sr-Latn-RS" sz="2000"/>
-              <a:t>v-bind – povezuje neki atribut elementa sa nekim property-em komponente</a:t>
+              <a:t>– povezuje neki atribut elementa sa nekim property-em komponente</a:t>
             </a:r>
           </a:p>
           <a:p>
@@ -21456,8 +21597,12 @@
               <a:buChar char="Ø"/>
             </a:pPr>
             <a:r>
+              <a:rPr lang="sr-Latn-RS" sz="2000" b="1"/>
+              <a:t>v-on</a:t>
+            </a:r>
+            <a:r>
               <a:rPr lang="sr-Latn-RS" sz="2000"/>
-              <a:t>v-on – povezuje dogadjaj sa metodom</a:t>
+              <a:t> – povezuje dogadjaj sa metodom</a:t>
             </a:r>
           </a:p>
           <a:p>
@@ -21466,8 +21611,12 @@
               <a:buChar char="Ø"/>
             </a:pPr>
             <a:r>
+              <a:rPr lang="sr-Latn-RS" sz="2000" b="1"/>
+              <a:t>v-model </a:t>
+            </a:r>
+            <a:r>
               <a:rPr lang="sr-Latn-RS" sz="2000"/>
-              <a:t>v-model – povezuje input sa nekim property-em komponente</a:t>
+              <a:t>– povezuje input sa nekim property-em komponente</a:t>
             </a:r>
           </a:p>
           <a:p>
@@ -21476,8 +21625,12 @@
               <a:buChar char="Ø"/>
             </a:pPr>
             <a:r>
+              <a:rPr lang="sr-Latn-RS" sz="2000" b="1"/>
+              <a:t>v-show </a:t>
+            </a:r>
+            <a:r>
               <a:rPr lang="sr-Latn-RS" sz="2000"/>
-              <a:t>v-show – prikazuje ili krije element u zavinosti od izraza</a:t>
+              <a:t>– prikazuje ili krije HTML element u zavinosti od izraza</a:t>
             </a:r>
           </a:p>
           <a:p>
@@ -21610,7 +21763,7 @@
           <a:p>
             <a:r>
               <a:rPr lang="sr-Latn-RS" sz="2400"/>
-              <a:t>Korišćenjem podataka o statusu korisnika koje smo prethodno kreirali možemo koristi v-if direktivu kako bi odlučili koji od sledećih HTML elementa će biti renderovan.</a:t>
+              <a:t>Korišćenjem podataka o statusu korisnika koje smo prethodno kreirali možemo koristiti v-if direktivu kako bi odlučili koji od sledećih HTML elemenata će biti renderovan.</a:t>
             </a:r>
           </a:p>
         </p:txBody>
@@ -21667,7 +21820,7 @@
         </p:blipFill>
         <p:spPr>
           <a:xfrm>
-            <a:off x="2162243" y="3530600"/>
+            <a:off x="2162243" y="3429000"/>
             <a:ext cx="7354326" cy="1800476"/>
           </a:xfrm>
           <a:prstGeom prst="rect">
@@ -22185,6 +22338,15 @@
 </file>
 
 <file path=customXml/item1.xml><?xml version="1.0" encoding="utf-8"?>
+<?mso-contentType ?>
+<FormTemplates xmlns="http://schemas.microsoft.com/sharepoint/v3/contenttype/forms">
+  <Display>DocumentLibraryForm</Display>
+  <Edit>DocumentLibraryForm</Edit>
+  <New>DocumentLibraryForm</New>
+</FormTemplates>
+</file>
+
+<file path=customXml/item2.xml><?xml version="1.0" encoding="utf-8"?>
 <ct:contentTypeSchema xmlns:ct="http://schemas.microsoft.com/office/2006/metadata/contentType" xmlns:ma="http://schemas.microsoft.com/office/2006/metadata/properties/metaAttributes" ct:_="" ma:_="" ma:contentTypeName="Document" ma:contentTypeID="0x01010079F111ED35F8CC479449609E8A0923A6" ma:contentTypeVersion="25" ma:contentTypeDescription="Create a new document." ma:contentTypeScope="" ma:versionID="e02306daf00165b375dc6a58966960be">
   <xsd:schema xmlns:xsd="http://www.w3.org/2001/XMLSchema" xmlns:xs="http://www.w3.org/2001/XMLSchema" xmlns:p="http://schemas.microsoft.com/office/2006/metadata/properties" xmlns:ns1="http://schemas.microsoft.com/sharepoint/v3" xmlns:ns2="71af3243-3dd4-4a8d-8c0d-dd76da1f02a5" xmlns:ns3="16c05727-aa75-4e4a-9b5f-8a80a1165891" xmlns:ns4="230e9df3-be65-4c73-a93b-d1236ebd677e" targetNamespace="http://schemas.microsoft.com/office/2006/metadata/properties" ma:root="true" ma:fieldsID="df88fb76bf5f555224557953949c1ec9" ns1:_="" ns2:_="" ns3:_="" ns4:_="">
     <xsd:import namespace="http://schemas.microsoft.com/sharepoint/v3"/>
@@ -22478,15 +22640,6 @@
 </ct:contentTypeSchema>
 </file>
 
-<file path=customXml/item2.xml><?xml version="1.0" encoding="utf-8"?>
-<?mso-contentType ?>
-<FormTemplates xmlns="http://schemas.microsoft.com/sharepoint/v3/contenttype/forms">
-  <Display>DocumentLibraryForm</Display>
-  <Edit>DocumentLibraryForm</Edit>
-  <New>DocumentLibraryForm</New>
-</FormTemplates>
-</file>
-
 <file path=customXml/item3.xml><?xml version="1.0" encoding="utf-8"?>
 <p:properties xmlns:p="http://schemas.microsoft.com/office/2006/metadata/properties" xmlns:xsi="http://www.w3.org/2001/XMLSchema-instance" xmlns:pc="http://schemas.microsoft.com/office/infopath/2007/PartnerControls">
   <documentManagement>
@@ -22508,6 +22661,14 @@
 </file>
 
 <file path=customXml/itemProps1.xml><?xml version="1.0" encoding="utf-8"?>
+<ds:datastoreItem xmlns:ds="http://schemas.openxmlformats.org/officeDocument/2006/customXml" ds:itemID="{4F1F1912-3146-44AF-A389-9E8B77BB3688}">
+  <ds:schemaRefs>
+    <ds:schemaRef ds:uri="http://schemas.microsoft.com/sharepoint/v3/contenttype/forms"/>
+  </ds:schemaRefs>
+</ds:datastoreItem>
+</file>
+
+<file path=customXml/itemProps2.xml><?xml version="1.0" encoding="utf-8"?>
 <ds:datastoreItem xmlns:ds="http://schemas.openxmlformats.org/officeDocument/2006/customXml" ds:itemID="{176493A3-2B83-4E58-86AD-56A2F2A20F12}">
   <ds:schemaRefs>
     <ds:schemaRef ds:uri="http://schemas.microsoft.com/office/2006/metadata/contentType"/>
@@ -22528,14 +22689,6 @@
 </ds:datastoreItem>
 </file>
 
-<file path=customXml/itemProps2.xml><?xml version="1.0" encoding="utf-8"?>
-<ds:datastoreItem xmlns:ds="http://schemas.openxmlformats.org/officeDocument/2006/customXml" ds:itemID="{4F1F1912-3146-44AF-A389-9E8B77BB3688}">
-  <ds:schemaRefs>
-    <ds:schemaRef ds:uri="http://schemas.microsoft.com/sharepoint/v3/contenttype/forms"/>
-  </ds:schemaRefs>
-</ds:datastoreItem>
-</file>
-
 <file path=customXml/itemProps3.xml><?xml version="1.0" encoding="utf-8"?>
 <ds:datastoreItem xmlns:ds="http://schemas.openxmlformats.org/officeDocument/2006/customXml" ds:itemID="{F8B8ECF1-2A9D-464C-AFE8-2B3295D0BF97}">
   <ds:schemaRefs>
